--- a/images/figures.pptx
+++ b/images/figures.pptx
@@ -8424,7 +8424,7 @@
               <a:t> </a:t>
             </a:r>
             <a:r>
-              <a:rPr lang="en-US" altLang="ja-JP" sz="1400"/>
+              <a:rPr lang="en-US" altLang="ja-JP" sz="1400" dirty="0" err="1"/>
               <a:t>Codespaces</a:t>
             </a:r>
             <a:endParaRPr kumimoji="1" lang="ja-JP" altLang="en-US" sz="1400" dirty="0"/>

--- a/images/figures.pptx
+++ b/images/figures.pptx
@@ -1,11 +1,11 @@
 
 <file path=ppt/presentation.xml><?xml version="1.0" encoding="utf-8"?>
-<p:presentation xmlns:a="http://schemas.openxmlformats.org/drawingml/2006/main" xmlns:r="http://schemas.openxmlformats.org/officeDocument/2006/relationships" xmlns:p="http://schemas.openxmlformats.org/presentationml/2006/main" saveSubsetFonts="1">
+<p:presentation xmlns:a="http://schemas.openxmlformats.org/drawingml/2006/main" xmlns:r="http://schemas.openxmlformats.org/officeDocument/2006/relationships" xmlns:p="http://schemas.openxmlformats.org/presentationml/2006/main" removePersonalInfoOnSave="1" saveSubsetFonts="1">
   <p:sldMasterIdLst>
     <p:sldMasterId id="2147483648" r:id="rId1"/>
   </p:sldMasterIdLst>
   <p:notesMasterIdLst>
-    <p:notesMasterId r:id="rId9"/>
+    <p:notesMasterId r:id="rId10"/>
   </p:notesMasterIdLst>
   <p:sldIdLst>
     <p:sldId id="264" r:id="rId2"/>
@@ -15,6 +15,7 @@
     <p:sldId id="266" r:id="rId6"/>
     <p:sldId id="267" r:id="rId7"/>
     <p:sldId id="268" r:id="rId8"/>
+    <p:sldId id="269" r:id="rId9"/>
   </p:sldIdLst>
   <p:sldSz cx="12192000" cy="6858000"/>
   <p:notesSz cx="6858000" cy="9144000"/>
@@ -203,7 +204,7 @@
           <a:p>
             <a:fld id="{7F0F79C4-66DD-4789-9590-7FA3A23CBDBD}" type="datetimeFigureOut">
               <a:rPr kumimoji="1" lang="ja-JP" altLang="en-US" smtClean="0"/>
-              <a:t>2020/8/4</a:t>
+              <a:t>2020/8/5</a:t>
             </a:fld>
             <a:endParaRPr kumimoji="1" lang="ja-JP" altLang="en-US"/>
           </a:p>
@@ -546,26 +547,7 @@
           <a:bodyPr/>
           <a:lstStyle/>
           <a:p>
-            <a:r>
-              <a:rPr kumimoji="1" lang="en-US" altLang="ja-JP" dirty="0" err="1"/>
-              <a:t>Codespaces</a:t>
-            </a:r>
-            <a:r>
-              <a:rPr kumimoji="1" lang="en-US" altLang="ja-JP" dirty="0"/>
-              <a:t> </a:t>
-            </a:r>
-            <a:r>
-              <a:rPr kumimoji="1" lang="ja-JP" altLang="en-US" dirty="0"/>
-              <a:t>を作る</a:t>
-            </a:r>
-            <a:endParaRPr kumimoji="1" lang="en-US" altLang="ja-JP" dirty="0"/>
-          </a:p>
-          <a:p>
-            <a:r>
-              <a:rPr kumimoji="1" lang="en-US" altLang="ja-JP" dirty="0"/>
-              <a:t>https://online.visualstudio.com</a:t>
-            </a:r>
-            <a:endParaRPr kumimoji="1" lang="ja-JP" altLang="en-US" dirty="0"/>
+            <a:endParaRPr lang="ja-JP" altLang="en-US" dirty="0"/>
           </a:p>
         </p:txBody>
       </p:sp>
@@ -649,17 +631,7 @@
           <a:bodyPr/>
           <a:lstStyle/>
           <a:p>
-            <a:r>
-              <a:rPr kumimoji="1" lang="ja-JP" altLang="en-US" dirty="0"/>
-              <a:t>意外と入ってる</a:t>
-            </a:r>
-            <a:endParaRPr kumimoji="1" lang="en-US" altLang="ja-JP" dirty="0"/>
-          </a:p>
-          <a:p>
-            <a:r>
-              <a:rPr kumimoji="1" lang="ja-JP" altLang="en-US" dirty="0"/>
-              <a:t>でもバージョンが・・・</a:t>
-            </a:r>
+            <a:endParaRPr lang="ja-JP" altLang="en-US" dirty="0"/>
           </a:p>
         </p:txBody>
       </p:sp>
@@ -942,6 +914,90 @@
     <p:extLst>
       <p:ext uri="{BB962C8B-B14F-4D97-AF65-F5344CB8AC3E}">
         <p14:creationId xmlns:p14="http://schemas.microsoft.com/office/powerpoint/2010/main" val="1117920425"/>
+      </p:ext>
+    </p:extLst>
+  </p:cSld>
+  <p:clrMapOvr>
+    <a:masterClrMapping/>
+  </p:clrMapOvr>
+</p:notes>
+</file>
+
+<file path=ppt/notesSlides/notesSlide6.xml><?xml version="1.0" encoding="utf-8"?>
+<p:notes xmlns:a="http://schemas.openxmlformats.org/drawingml/2006/main" xmlns:r="http://schemas.openxmlformats.org/officeDocument/2006/relationships" xmlns:p="http://schemas.openxmlformats.org/presentationml/2006/main">
+  <p:cSld>
+    <p:spTree>
+      <p:nvGrpSpPr>
+        <p:cNvPr id="1" name=""/>
+        <p:cNvGrpSpPr/>
+        <p:nvPr/>
+      </p:nvGrpSpPr>
+      <p:grpSpPr>
+        <a:xfrm>
+          <a:off x="0" y="0"/>
+          <a:ext cx="0" cy="0"/>
+          <a:chOff x="0" y="0"/>
+          <a:chExt cx="0" cy="0"/>
+        </a:xfrm>
+      </p:grpSpPr>
+      <p:sp>
+        <p:nvSpPr>
+          <p:cNvPr id="2" name="スライド イメージ プレースホルダー 1"/>
+          <p:cNvSpPr>
+            <a:spLocks noGrp="1" noRot="1" noChangeAspect="1"/>
+          </p:cNvSpPr>
+          <p:nvPr>
+            <p:ph type="sldImg"/>
+          </p:nvPr>
+        </p:nvSpPr>
+        <p:spPr/>
+      </p:sp>
+      <p:sp>
+        <p:nvSpPr>
+          <p:cNvPr id="3" name="ノート プレースホルダー 2"/>
+          <p:cNvSpPr>
+            <a:spLocks noGrp="1"/>
+          </p:cNvSpPr>
+          <p:nvPr>
+            <p:ph type="body" idx="1"/>
+          </p:nvPr>
+        </p:nvSpPr>
+        <p:spPr/>
+        <p:txBody>
+          <a:bodyPr/>
+          <a:lstStyle/>
+          <a:p>
+            <a:endParaRPr kumimoji="1" lang="ja-JP" altLang="en-US" dirty="0"/>
+          </a:p>
+        </p:txBody>
+      </p:sp>
+      <p:sp>
+        <p:nvSpPr>
+          <p:cNvPr id="4" name="スライド番号プレースホルダー 3"/>
+          <p:cNvSpPr>
+            <a:spLocks noGrp="1"/>
+          </p:cNvSpPr>
+          <p:nvPr>
+            <p:ph type="sldNum" sz="quarter" idx="5"/>
+          </p:nvPr>
+        </p:nvSpPr>
+        <p:spPr/>
+        <p:txBody>
+          <a:bodyPr/>
+          <a:lstStyle/>
+          <a:p>
+            <a:fld id="{258F974C-4125-4A5A-B102-1179FACCC52C}" type="slidenum">
+              <a:rPr kumimoji="1" lang="ja-JP" altLang="en-US" smtClean="0"/>
+              <a:t>8</a:t>
+            </a:fld>
+            <a:endParaRPr kumimoji="1" lang="ja-JP" altLang="en-US"/>
+          </a:p>
+        </p:txBody>
+      </p:sp>
+    </p:spTree>
+    <p:extLst>
+      <p:ext uri="{BB962C8B-B14F-4D97-AF65-F5344CB8AC3E}">
+        <p14:creationId xmlns:p14="http://schemas.microsoft.com/office/powerpoint/2010/main" val="1399520421"/>
       </p:ext>
     </p:extLst>
   </p:cSld>
@@ -1098,7 +1154,7 @@
           <a:p>
             <a:fld id="{A85E767B-A00A-4FA2-81D7-BAD3F1969EB9}" type="datetimeFigureOut">
               <a:rPr kumimoji="1" lang="ja-JP" altLang="en-US" smtClean="0"/>
-              <a:t>2020/8/4</a:t>
+              <a:t>2020/8/5</a:t>
             </a:fld>
             <a:endParaRPr kumimoji="1" lang="ja-JP" altLang="en-US"/>
           </a:p>
@@ -1328,7 +1384,7 @@
           <a:p>
             <a:fld id="{A85E767B-A00A-4FA2-81D7-BAD3F1969EB9}" type="datetimeFigureOut">
               <a:rPr kumimoji="1" lang="ja-JP" altLang="en-US" smtClean="0"/>
-              <a:t>2020/8/4</a:t>
+              <a:t>2020/8/5</a:t>
             </a:fld>
             <a:endParaRPr kumimoji="1" lang="ja-JP" altLang="en-US"/>
           </a:p>
@@ -1568,7 +1624,7 @@
           <a:p>
             <a:fld id="{A85E767B-A00A-4FA2-81D7-BAD3F1969EB9}" type="datetimeFigureOut">
               <a:rPr kumimoji="1" lang="ja-JP" altLang="en-US" smtClean="0"/>
-              <a:t>2020/8/4</a:t>
+              <a:t>2020/8/5</a:t>
             </a:fld>
             <a:endParaRPr kumimoji="1" lang="ja-JP" altLang="en-US"/>
           </a:p>
@@ -1798,7 +1854,7 @@
           <a:p>
             <a:fld id="{A85E767B-A00A-4FA2-81D7-BAD3F1969EB9}" type="datetimeFigureOut">
               <a:rPr kumimoji="1" lang="ja-JP" altLang="en-US" smtClean="0"/>
-              <a:t>2020/8/4</a:t>
+              <a:t>2020/8/5</a:t>
             </a:fld>
             <a:endParaRPr kumimoji="1" lang="ja-JP" altLang="en-US"/>
           </a:p>
@@ -2073,7 +2129,7 @@
           <a:p>
             <a:fld id="{A85E767B-A00A-4FA2-81D7-BAD3F1969EB9}" type="datetimeFigureOut">
               <a:rPr kumimoji="1" lang="ja-JP" altLang="en-US" smtClean="0"/>
-              <a:t>2020/8/4</a:t>
+              <a:t>2020/8/5</a:t>
             </a:fld>
             <a:endParaRPr kumimoji="1" lang="ja-JP" altLang="en-US"/>
           </a:p>
@@ -2402,7 +2458,7 @@
           <a:p>
             <a:fld id="{A85E767B-A00A-4FA2-81D7-BAD3F1969EB9}" type="datetimeFigureOut">
               <a:rPr kumimoji="1" lang="ja-JP" altLang="en-US" smtClean="0"/>
-              <a:t>2020/8/4</a:t>
+              <a:t>2020/8/5</a:t>
             </a:fld>
             <a:endParaRPr kumimoji="1" lang="ja-JP" altLang="en-US"/>
           </a:p>
@@ -2878,7 +2934,7 @@
           <a:p>
             <a:fld id="{A85E767B-A00A-4FA2-81D7-BAD3F1969EB9}" type="datetimeFigureOut">
               <a:rPr kumimoji="1" lang="ja-JP" altLang="en-US" smtClean="0"/>
-              <a:t>2020/8/4</a:t>
+              <a:t>2020/8/5</a:t>
             </a:fld>
             <a:endParaRPr kumimoji="1" lang="ja-JP" altLang="en-US"/>
           </a:p>
@@ -3019,7 +3075,7 @@
           <a:p>
             <a:fld id="{A85E767B-A00A-4FA2-81D7-BAD3F1969EB9}" type="datetimeFigureOut">
               <a:rPr kumimoji="1" lang="ja-JP" altLang="en-US" smtClean="0"/>
-              <a:t>2020/8/4</a:t>
+              <a:t>2020/8/5</a:t>
             </a:fld>
             <a:endParaRPr kumimoji="1" lang="ja-JP" altLang="en-US"/>
           </a:p>
@@ -3132,7 +3188,7 @@
           <a:p>
             <a:fld id="{A85E767B-A00A-4FA2-81D7-BAD3F1969EB9}" type="datetimeFigureOut">
               <a:rPr kumimoji="1" lang="ja-JP" altLang="en-US" smtClean="0"/>
-              <a:t>2020/8/4</a:t>
+              <a:t>2020/8/5</a:t>
             </a:fld>
             <a:endParaRPr kumimoji="1" lang="ja-JP" altLang="en-US"/>
           </a:p>
@@ -3475,7 +3531,7 @@
           <a:p>
             <a:fld id="{A85E767B-A00A-4FA2-81D7-BAD3F1969EB9}" type="datetimeFigureOut">
               <a:rPr kumimoji="1" lang="ja-JP" altLang="en-US" smtClean="0"/>
-              <a:t>2020/8/4</a:t>
+              <a:t>2020/8/5</a:t>
             </a:fld>
             <a:endParaRPr kumimoji="1" lang="ja-JP" altLang="en-US"/>
           </a:p>
@@ -3763,7 +3819,7 @@
           <a:p>
             <a:fld id="{A85E767B-A00A-4FA2-81D7-BAD3F1969EB9}" type="datetimeFigureOut">
               <a:rPr kumimoji="1" lang="ja-JP" altLang="en-US" smtClean="0"/>
-              <a:t>2020/8/4</a:t>
+              <a:t>2020/8/5</a:t>
             </a:fld>
             <a:endParaRPr kumimoji="1" lang="ja-JP" altLang="en-US"/>
           </a:p>
@@ -4036,7 +4092,7 @@
           <a:p>
             <a:fld id="{A85E767B-A00A-4FA2-81D7-BAD3F1969EB9}" type="datetimeFigureOut">
               <a:rPr kumimoji="1" lang="ja-JP" altLang="en-US" smtClean="0"/>
-              <a:t>2020/8/4</a:t>
+              <a:t>2020/8/5</a:t>
             </a:fld>
             <a:endParaRPr kumimoji="1" lang="ja-JP" altLang="en-US"/>
           </a:p>
@@ -4990,7 +5046,7 @@
               </a:ext>
             </a:extLst>
           </a:blip>
-          <a:srcRect l="14962" t="30896" r="14569" b="1573"/>
+          <a:srcRect/>
           <a:stretch/>
         </p:blipFill>
         <p:spPr bwMode="auto">
@@ -5321,7 +5377,7 @@
               </a:ext>
             </a:extLst>
           </a:blip>
-          <a:srcRect l="16700" t="5621" r="52184" b="64192"/>
+          <a:srcRect/>
           <a:stretch/>
         </p:blipFill>
         <p:spPr>
@@ -6419,7 +6475,7 @@
               </a:ext>
             </a:extLst>
           </a:blip>
-          <a:srcRect l="16700" t="5621" r="52184" b="64192"/>
+          <a:srcRect/>
           <a:stretch/>
         </p:blipFill>
         <p:spPr>
@@ -6461,7 +6517,7 @@
               </a:ext>
             </a:extLst>
           </a:blip>
-          <a:srcRect l="16700" t="5621" r="52184" b="64192"/>
+          <a:srcRect/>
           <a:stretch/>
         </p:blipFill>
         <p:spPr>
@@ -6503,7 +6559,7 @@
               </a:ext>
             </a:extLst>
           </a:blip>
-          <a:srcRect l="16700" t="5621" r="52184" b="64192"/>
+          <a:srcRect/>
           <a:stretch/>
         </p:blipFill>
         <p:spPr>
@@ -8364,7 +8420,7 @@
               </a:ext>
             </a:extLst>
           </a:blip>
-          <a:srcRect l="14962" t="30896" r="14569" b="1573"/>
+          <a:srcRect/>
           <a:stretch/>
         </p:blipFill>
         <p:spPr bwMode="auto">
@@ -8460,7 +8516,7 @@
               </a:ext>
             </a:extLst>
           </a:blip>
-          <a:srcRect l="16700" t="5621" r="52184" b="64192"/>
+          <a:srcRect/>
           <a:stretch/>
         </p:blipFill>
         <p:spPr>
@@ -8538,7 +8594,7 @@
               </a:ext>
             </a:extLst>
           </a:blip>
-          <a:srcRect l="16700" t="5621" r="52184" b="64192"/>
+          <a:srcRect/>
           <a:stretch/>
         </p:blipFill>
         <p:spPr>
@@ -8580,7 +8636,7 @@
               </a:ext>
             </a:extLst>
           </a:blip>
-          <a:srcRect l="16700" t="5621" r="52184" b="64192"/>
+          <a:srcRect/>
           <a:stretch/>
         </p:blipFill>
         <p:spPr>
@@ -8622,7 +8678,7 @@
               </a:ext>
             </a:extLst>
           </a:blip>
-          <a:srcRect l="16700" t="5621" r="52184" b="64192"/>
+          <a:srcRect/>
           <a:stretch/>
         </p:blipFill>
         <p:spPr>
@@ -9220,6 +9276,75 @@
     <p:extLst>
       <p:ext uri="{BB962C8B-B14F-4D97-AF65-F5344CB8AC3E}">
         <p14:creationId xmlns:p14="http://schemas.microsoft.com/office/powerpoint/2010/main" val="1940959306"/>
+      </p:ext>
+    </p:extLst>
+  </p:cSld>
+  <p:clrMapOvr>
+    <a:masterClrMapping/>
+  </p:clrMapOvr>
+</p:sld>
+</file>
+
+<file path=ppt/slides/slide8.xml><?xml version="1.0" encoding="utf-8"?>
+<p:sld xmlns:a="http://schemas.openxmlformats.org/drawingml/2006/main" xmlns:r="http://schemas.openxmlformats.org/officeDocument/2006/relationships" xmlns:p="http://schemas.openxmlformats.org/presentationml/2006/main">
+  <p:cSld>
+    <p:spTree>
+      <p:nvGrpSpPr>
+        <p:cNvPr id="1" name=""/>
+        <p:cNvGrpSpPr/>
+        <p:nvPr/>
+      </p:nvGrpSpPr>
+      <p:grpSpPr>
+        <a:xfrm>
+          <a:off x="0" y="0"/>
+          <a:ext cx="0" cy="0"/>
+          <a:chOff x="0" y="0"/>
+          <a:chExt cx="0" cy="0"/>
+        </a:xfrm>
+      </p:grpSpPr>
+      <p:pic>
+        <p:nvPicPr>
+          <p:cNvPr id="5" name="図 4">
+            <a:extLst>
+              <a:ext uri="{FF2B5EF4-FFF2-40B4-BE49-F238E27FC236}">
+                <a16:creationId xmlns:a16="http://schemas.microsoft.com/office/drawing/2014/main" id="{5EC4F952-FCCA-4177-984A-1FEFB321556E}"/>
+              </a:ext>
+            </a:extLst>
+          </p:cNvPr>
+          <p:cNvPicPr>
+            <a:picLocks noChangeAspect="1"/>
+          </p:cNvPicPr>
+          <p:nvPr/>
+        </p:nvPicPr>
+        <p:blipFill rotWithShape="1">
+          <a:blip r:embed="rId3"/>
+          <a:srcRect t="969" b="1013"/>
+          <a:stretch/>
+        </p:blipFill>
+        <p:spPr>
+          <a:xfrm>
+            <a:off x="953578" y="849854"/>
+            <a:ext cx="10284843" cy="5206701"/>
+          </a:xfrm>
+          <a:prstGeom prst="rect">
+            <a:avLst/>
+          </a:prstGeom>
+          <a:ln>
+            <a:noFill/>
+          </a:ln>
+          <a:effectLst>
+            <a:outerShdw blurRad="292100" dist="139700" dir="2700000" algn="tl" rotWithShape="0">
+              <a:srgbClr val="333333">
+                <a:alpha val="65000"/>
+              </a:srgbClr>
+            </a:outerShdw>
+          </a:effectLst>
+        </p:spPr>
+      </p:pic>
+    </p:spTree>
+    <p:extLst>
+      <p:ext uri="{BB962C8B-B14F-4D97-AF65-F5344CB8AC3E}">
+        <p14:creationId xmlns:p14="http://schemas.microsoft.com/office/powerpoint/2010/main" val="558919858"/>
       </p:ext>
     </p:extLst>
   </p:cSld>
